--- a/Präsentation_Prog3.pptx
+++ b/Präsentation_Prog3.pptx
@@ -12,7 +12,7 @@
   </p:handoutMasterIdLst>
   <p:sldIdLst>
     <p:sldId id="264" r:id="rId2"/>
-    <p:sldId id="263" r:id="rId3"/>
+    <p:sldId id="265" r:id="rId3"/>
   </p:sldIdLst>
   <p:sldSz cx="9144000" cy="6858000" type="screen4x3"/>
   <p:notesSz cx="6858000" cy="9144000"/>
@@ -1034,13 +1034,6 @@
               <a:noFill/>
             </a:ln>
             <a:extLst>
-              <a:ext uri="{909E8E84-426E-40DD-AFC4-6F175D3DCCD1}">
-                <a14:hiddenFill xmlns:a14="http://schemas.microsoft.com/office/drawing/2010/main">
-                  <a:solidFill>
-                    <a:srgbClr val="FFFFFF"/>
-                  </a:solidFill>
-                </a14:hiddenFill>
-              </a:ext>
               <a:ext uri="{91240B29-F687-4F45-9708-019B960494DF}">
                 <a14:hiddenLine xmlns:a14="http://schemas.microsoft.com/office/drawing/2010/main" w="9525">
                   <a:solidFill>
@@ -1934,9 +1927,18 @@
               <a:defRPr/>
             </a:pPr>
             <a:r>
-              <a:rPr lang="de-DE" altLang="de-DE"/>
-              <a:t>Prof. Max Mustermann - Präsentationstitel</a:t>
-            </a:r>
+              <a:rPr lang="de-DE" altLang="de-DE" dirty="0" smtClean="0"/>
+              <a:t>Florian </a:t>
+            </a:r>
+            <a:r>
+              <a:rPr lang="de-DE" altLang="de-DE" dirty="0" err="1" smtClean="0"/>
+              <a:t>Rottach</a:t>
+            </a:r>
+            <a:r>
+              <a:rPr lang="de-DE" altLang="de-DE" dirty="0" smtClean="0"/>
+              <a:t> und Julian Wadephul – 3D-Spieleprogrammierung</a:t>
+            </a:r>
+            <a:endParaRPr lang="de-DE" altLang="de-DE" dirty="0"/>
           </a:p>
         </p:txBody>
       </p:sp>
@@ -2124,9 +2126,18 @@
               <a:defRPr/>
             </a:pPr>
             <a:r>
-              <a:rPr lang="de-DE" altLang="de-DE"/>
-              <a:t>Prof. Max Mustermann - Präsentationstitel</a:t>
-            </a:r>
+              <a:rPr lang="de-DE" altLang="de-DE" dirty="0" smtClean="0"/>
+              <a:t>Florian </a:t>
+            </a:r>
+            <a:r>
+              <a:rPr lang="de-DE" altLang="de-DE" dirty="0" err="1" smtClean="0"/>
+              <a:t>Rottach</a:t>
+            </a:r>
+            <a:r>
+              <a:rPr lang="de-DE" altLang="de-DE" dirty="0" smtClean="0"/>
+              <a:t> und Julian Wadephul – 3D-Spieleprogrammierung</a:t>
+            </a:r>
+            <a:endParaRPr lang="de-DE" altLang="de-DE" dirty="0"/>
           </a:p>
         </p:txBody>
       </p:sp>
@@ -2304,9 +2315,18 @@
               <a:defRPr/>
             </a:pPr>
             <a:r>
-              <a:rPr lang="de-DE" altLang="de-DE"/>
-              <a:t>Prof. Max Mustermann - Präsentationstitel</a:t>
-            </a:r>
+              <a:rPr lang="de-DE" altLang="de-DE" dirty="0" smtClean="0"/>
+              <a:t>Florian </a:t>
+            </a:r>
+            <a:r>
+              <a:rPr lang="de-DE" altLang="de-DE" dirty="0" err="1" smtClean="0"/>
+              <a:t>Rottach</a:t>
+            </a:r>
+            <a:r>
+              <a:rPr lang="de-DE" altLang="de-DE" dirty="0" smtClean="0"/>
+              <a:t> und Julian Wadephul – 3D-Spieleprogrammierung</a:t>
+            </a:r>
+            <a:endParaRPr lang="de-DE" altLang="de-DE" dirty="0"/>
           </a:p>
         </p:txBody>
       </p:sp>
@@ -2506,9 +2526,18 @@
               <a:defRPr/>
             </a:pPr>
             <a:r>
-              <a:rPr lang="de-DE" altLang="de-DE"/>
-              <a:t>Prof. Max Mustermann - Präsentationstitel</a:t>
-            </a:r>
+              <a:rPr lang="de-DE" altLang="de-DE" dirty="0" smtClean="0"/>
+              <a:t>Florian </a:t>
+            </a:r>
+            <a:r>
+              <a:rPr lang="de-DE" altLang="de-DE" dirty="0" err="1" smtClean="0"/>
+              <a:t>Rottach</a:t>
+            </a:r>
+            <a:r>
+              <a:rPr lang="de-DE" altLang="de-DE" dirty="0" smtClean="0"/>
+              <a:t> und Julian Wadephul – 3D-Spieleprogrammierung</a:t>
+            </a:r>
+            <a:endParaRPr lang="de-DE" altLang="de-DE" dirty="0"/>
           </a:p>
         </p:txBody>
       </p:sp>
@@ -2804,9 +2833,18 @@
               <a:defRPr/>
             </a:pPr>
             <a:r>
-              <a:rPr lang="de-DE" altLang="de-DE"/>
-              <a:t>Prof. Max Mustermann - Präsentationstitel</a:t>
-            </a:r>
+              <a:rPr lang="de-DE" altLang="de-DE" dirty="0" smtClean="0"/>
+              <a:t>Florian </a:t>
+            </a:r>
+            <a:r>
+              <a:rPr lang="de-DE" altLang="de-DE" dirty="0" err="1" smtClean="0"/>
+              <a:t>Rottach</a:t>
+            </a:r>
+            <a:r>
+              <a:rPr lang="de-DE" altLang="de-DE" dirty="0" smtClean="0"/>
+              <a:t> und Julian Wadephul – 3D-Spieleprogrammierung</a:t>
+            </a:r>
+            <a:endParaRPr lang="de-DE" altLang="de-DE" dirty="0"/>
           </a:p>
         </p:txBody>
       </p:sp>
@@ -3241,9 +3279,18 @@
               <a:defRPr/>
             </a:pPr>
             <a:r>
-              <a:rPr lang="de-DE" altLang="de-DE"/>
-              <a:t>Prof. Max Mustermann - Präsentationstitel</a:t>
-            </a:r>
+              <a:rPr lang="de-DE" altLang="de-DE" dirty="0" smtClean="0"/>
+              <a:t>Florian </a:t>
+            </a:r>
+            <a:r>
+              <a:rPr lang="de-DE" altLang="de-DE" dirty="0" err="1" smtClean="0"/>
+              <a:t>Rottach</a:t>
+            </a:r>
+            <a:r>
+              <a:rPr lang="de-DE" altLang="de-DE" dirty="0" smtClean="0"/>
+              <a:t> und Julian Wadephul – 3D-Spieleprogrammierung</a:t>
+            </a:r>
+            <a:endParaRPr lang="de-DE" altLang="de-DE" dirty="0"/>
           </a:p>
         </p:txBody>
       </p:sp>
@@ -3369,9 +3416,18 @@
               <a:defRPr/>
             </a:pPr>
             <a:r>
-              <a:rPr lang="de-DE" altLang="de-DE"/>
-              <a:t>Prof. Max Mustermann - Präsentationstitel</a:t>
-            </a:r>
+              <a:rPr lang="de-DE" altLang="de-DE" dirty="0" smtClean="0"/>
+              <a:t>Florian </a:t>
+            </a:r>
+            <a:r>
+              <a:rPr lang="de-DE" altLang="de-DE" dirty="0" err="1" smtClean="0"/>
+              <a:t>Rottach</a:t>
+            </a:r>
+            <a:r>
+              <a:rPr lang="de-DE" altLang="de-DE" dirty="0" smtClean="0"/>
+              <a:t> und Julian Wadephul – 3D-Spieleprogrammierung</a:t>
+            </a:r>
+            <a:endParaRPr lang="de-DE" altLang="de-DE" dirty="0"/>
           </a:p>
         </p:txBody>
       </p:sp>
@@ -3474,9 +3530,18 @@
               <a:defRPr/>
             </a:pPr>
             <a:r>
-              <a:rPr lang="de-DE" altLang="de-DE"/>
-              <a:t>Prof. Max Mustermann - Präsentationstitel</a:t>
-            </a:r>
+              <a:rPr lang="de-DE" altLang="de-DE" dirty="0" smtClean="0"/>
+              <a:t>Florian </a:t>
+            </a:r>
+            <a:r>
+              <a:rPr lang="de-DE" altLang="de-DE" dirty="0" err="1" smtClean="0"/>
+              <a:t>Rottach</a:t>
+            </a:r>
+            <a:r>
+              <a:rPr lang="de-DE" altLang="de-DE" dirty="0" smtClean="0"/>
+              <a:t> und Julian Wadephul – 3D-Spieleprogrammierung</a:t>
+            </a:r>
+            <a:endParaRPr lang="de-DE" altLang="de-DE" dirty="0"/>
           </a:p>
         </p:txBody>
       </p:sp>
@@ -3761,9 +3826,18 @@
               <a:defRPr/>
             </a:pPr>
             <a:r>
-              <a:rPr lang="de-DE" altLang="de-DE"/>
-              <a:t>Prof. Max Mustermann - Präsentationstitel</a:t>
-            </a:r>
+              <a:rPr lang="de-DE" altLang="de-DE" dirty="0" smtClean="0"/>
+              <a:t>Florian </a:t>
+            </a:r>
+            <a:r>
+              <a:rPr lang="de-DE" altLang="de-DE" dirty="0" err="1" smtClean="0"/>
+              <a:t>Rottach</a:t>
+            </a:r>
+            <a:r>
+              <a:rPr lang="de-DE" altLang="de-DE" dirty="0" smtClean="0"/>
+              <a:t> und Julian Wadephul – 3D-Spieleprogrammierung</a:t>
+            </a:r>
+            <a:endParaRPr lang="de-DE" altLang="de-DE" dirty="0"/>
           </a:p>
         </p:txBody>
       </p:sp>
@@ -3935,7 +4009,6 @@
               <a:rPr lang="de-DE" noProof="0" smtClean="0"/>
               <a:t>Bild auf Platzhalter ziehen oder durch Klicken auf Symbol hinzufügen</a:t>
             </a:r>
-            <a:endParaRPr lang="de-DE" noProof="0" smtClean="0"/>
           </a:p>
         </p:txBody>
       </p:sp>
@@ -4029,9 +4102,18 @@
               <a:defRPr/>
             </a:pPr>
             <a:r>
-              <a:rPr lang="de-DE" altLang="de-DE"/>
-              <a:t>Prof. Max Mustermann - Präsentationstitel</a:t>
-            </a:r>
+              <a:rPr lang="de-DE" altLang="de-DE" dirty="0" smtClean="0"/>
+              <a:t>Florian </a:t>
+            </a:r>
+            <a:r>
+              <a:rPr lang="de-DE" altLang="de-DE" dirty="0" err="1" smtClean="0"/>
+              <a:t>Rottach</a:t>
+            </a:r>
+            <a:r>
+              <a:rPr lang="de-DE" altLang="de-DE" dirty="0" smtClean="0"/>
+              <a:t> und Julian Wadephul – 3D-Spieleprogrammierung</a:t>
+            </a:r>
+            <a:endParaRPr lang="de-DE" altLang="de-DE" dirty="0"/>
           </a:p>
         </p:txBody>
       </p:sp>
@@ -4464,8 +4546,9 @@
             </a:pPr>
             <a:r>
               <a:rPr lang="de-DE" altLang="de-DE" sz="900" dirty="0" smtClean="0"/>
-              <a:t>Abteilungs-, KIT-Fakultäts-, Institutsbezeichnung</a:t>
-            </a:r>
+              <a:t>AIFB</a:t>
+            </a:r>
+            <a:endParaRPr lang="de-DE" altLang="de-DE" sz="900" dirty="0" smtClean="0"/>
           </a:p>
         </p:txBody>
       </p:sp>
@@ -4753,7 +4836,15 @@
             </a:pPr>
             <a:r>
               <a:rPr lang="de-DE" altLang="de-DE" dirty="0" smtClean="0"/>
-              <a:t>Prof. Maria Mustermann - Präsentationstitel</a:t>
+              <a:t>Florian </a:t>
+            </a:r>
+            <a:r>
+              <a:rPr lang="de-DE" altLang="de-DE" dirty="0" err="1" smtClean="0"/>
+              <a:t>Rottach</a:t>
+            </a:r>
+            <a:r>
+              <a:rPr lang="de-DE" altLang="de-DE" dirty="0" smtClean="0"/>
+              <a:t> und Julian Wadephul – 3D-Spieleprogrammierung</a:t>
             </a:r>
             <a:endParaRPr lang="de-DE" altLang="de-DE" dirty="0"/>
           </a:p>
@@ -5403,15 +5494,7 @@
                   <a:schemeClr val="tx2"/>
                 </a:solidFill>
               </a:rPr>
-              <a:t>jMonkey</a:t>
-            </a:r>
-            <a:r>
-              <a:rPr lang="de-DE" altLang="de-DE" sz="2600" b="1" dirty="0" err="1" smtClean="0">
-                <a:solidFill>
-                  <a:schemeClr val="tx2"/>
-                </a:solidFill>
-              </a:rPr>
-              <a:t>Engine</a:t>
+              <a:t>jMonkeyEngine</a:t>
             </a:r>
             <a:endParaRPr lang="de-DE" altLang="de-DE" sz="2600" b="1" dirty="0">
               <a:solidFill>
@@ -5708,131 +5791,9 @@
       </p:grpSpPr>
       <p:sp>
         <p:nvSpPr>
-          <p:cNvPr id="4098" name="Rectangle 12"/>
+          <p:cNvPr id="2" name="Titel 1"/>
           <p:cNvSpPr>
-            <a:spLocks noGrp="1" noChangeArrowheads="1"/>
-          </p:cNvSpPr>
-          <p:nvPr>
-            <p:ph type="ftr" sz="quarter" idx="10"/>
-          </p:nvPr>
-        </p:nvSpPr>
-        <p:spPr>
-          <a:noFill/>
-        </p:spPr>
-        <p:txBody>
-          <a:bodyPr/>
-          <a:lstStyle>
-            <a:lvl1pPr eaLnBrk="0" hangingPunct="0">
-              <a:defRPr>
-                <a:solidFill>
-                  <a:schemeClr val="tx1"/>
-                </a:solidFill>
-                <a:latin typeface="Arial" charset="0"/>
-              </a:defRPr>
-            </a:lvl1pPr>
-            <a:lvl2pPr marL="742950" indent="-285750" eaLnBrk="0" hangingPunct="0">
-              <a:defRPr>
-                <a:solidFill>
-                  <a:schemeClr val="tx1"/>
-                </a:solidFill>
-                <a:latin typeface="Arial" charset="0"/>
-              </a:defRPr>
-            </a:lvl2pPr>
-            <a:lvl3pPr marL="1143000" indent="-228600" eaLnBrk="0" hangingPunct="0">
-              <a:defRPr>
-                <a:solidFill>
-                  <a:schemeClr val="tx1"/>
-                </a:solidFill>
-                <a:latin typeface="Arial" charset="0"/>
-              </a:defRPr>
-            </a:lvl3pPr>
-            <a:lvl4pPr marL="1600200" indent="-228600" eaLnBrk="0" hangingPunct="0">
-              <a:defRPr>
-                <a:solidFill>
-                  <a:schemeClr val="tx1"/>
-                </a:solidFill>
-                <a:latin typeface="Arial" charset="0"/>
-              </a:defRPr>
-            </a:lvl4pPr>
-            <a:lvl5pPr marL="2057400" indent="-228600" eaLnBrk="0" hangingPunct="0">
-              <a:defRPr>
-                <a:solidFill>
-                  <a:schemeClr val="tx1"/>
-                </a:solidFill>
-                <a:latin typeface="Arial" charset="0"/>
-              </a:defRPr>
-            </a:lvl5pPr>
-            <a:lvl6pPr marL="2514600" indent="-228600" eaLnBrk="0" fontAlgn="base" hangingPunct="0">
-              <a:spcBef>
-                <a:spcPct val="0"/>
-              </a:spcBef>
-              <a:spcAft>
-                <a:spcPct val="0"/>
-              </a:spcAft>
-              <a:defRPr>
-                <a:solidFill>
-                  <a:schemeClr val="tx1"/>
-                </a:solidFill>
-                <a:latin typeface="Arial" charset="0"/>
-              </a:defRPr>
-            </a:lvl6pPr>
-            <a:lvl7pPr marL="2971800" indent="-228600" eaLnBrk="0" fontAlgn="base" hangingPunct="0">
-              <a:spcBef>
-                <a:spcPct val="0"/>
-              </a:spcBef>
-              <a:spcAft>
-                <a:spcPct val="0"/>
-              </a:spcAft>
-              <a:defRPr>
-                <a:solidFill>
-                  <a:schemeClr val="tx1"/>
-                </a:solidFill>
-                <a:latin typeface="Arial" charset="0"/>
-              </a:defRPr>
-            </a:lvl7pPr>
-            <a:lvl8pPr marL="3429000" indent="-228600" eaLnBrk="0" fontAlgn="base" hangingPunct="0">
-              <a:spcBef>
-                <a:spcPct val="0"/>
-              </a:spcBef>
-              <a:spcAft>
-                <a:spcPct val="0"/>
-              </a:spcAft>
-              <a:defRPr>
-                <a:solidFill>
-                  <a:schemeClr val="tx1"/>
-                </a:solidFill>
-                <a:latin typeface="Arial" charset="0"/>
-              </a:defRPr>
-            </a:lvl8pPr>
-            <a:lvl9pPr marL="3886200" indent="-228600" eaLnBrk="0" fontAlgn="base" hangingPunct="0">
-              <a:spcBef>
-                <a:spcPct val="0"/>
-              </a:spcBef>
-              <a:spcAft>
-                <a:spcPct val="0"/>
-              </a:spcAft>
-              <a:defRPr>
-                <a:solidFill>
-                  <a:schemeClr val="tx1"/>
-                </a:solidFill>
-                <a:latin typeface="Arial" charset="0"/>
-              </a:defRPr>
-            </a:lvl9pPr>
-          </a:lstStyle>
-          <a:p>
-            <a:pPr eaLnBrk="1" hangingPunct="1"/>
-            <a:r>
-              <a:rPr lang="de-DE" altLang="de-DE" smtClean="0"/>
-              <a:t>Prof. Max Mustermann - Präsentationstitel</a:t>
-            </a:r>
-          </a:p>
-        </p:txBody>
-      </p:sp>
-      <p:sp>
-        <p:nvSpPr>
-          <p:cNvPr id="4099" name="Rectangle 2"/>
-          <p:cNvSpPr>
-            <a:spLocks noGrp="1" noChangeArrowheads="1"/>
+            <a:spLocks noGrp="1"/>
           </p:cNvSpPr>
           <p:nvPr>
             <p:ph type="title"/>
@@ -5844,21 +5805,21 @@
           <a:lstStyle/>
           <a:p>
             <a:r>
-              <a:rPr lang="de-DE" altLang="de-DE" dirty="0" smtClean="0"/>
+              <a:rPr lang="de-DE" dirty="0" smtClean="0"/>
               <a:t>Agenda</a:t>
             </a:r>
-            <a:endParaRPr lang="de-DE" altLang="de-DE" dirty="0" smtClean="0"/>
+            <a:endParaRPr lang="de-DE" dirty="0"/>
           </a:p>
         </p:txBody>
       </p:sp>
       <p:sp>
         <p:nvSpPr>
-          <p:cNvPr id="4100" name="Rectangle 3"/>
+          <p:cNvPr id="3" name="Inhaltsplatzhalter 2"/>
           <p:cNvSpPr>
-            <a:spLocks noGrp="1" noChangeArrowheads="1"/>
+            <a:spLocks noGrp="1"/>
           </p:cNvSpPr>
           <p:nvPr>
-            <p:ph type="body" idx="1"/>
+            <p:ph idx="1"/>
           </p:nvPr>
         </p:nvSpPr>
         <p:spPr/>
@@ -5867,25 +5828,25 @@
           <a:lstStyle/>
           <a:p>
             <a:r>
-              <a:rPr lang="de-DE" altLang="de-DE" dirty="0" smtClean="0"/>
+              <a:rPr lang="de-DE" altLang="de-DE" dirty="0"/>
               <a:t>Theoretische Grundlagen</a:t>
             </a:r>
           </a:p>
           <a:p>
             <a:pPr lvl="1"/>
             <a:r>
-              <a:rPr lang="de-DE" altLang="de-DE" dirty="0" smtClean="0"/>
+              <a:rPr lang="de-DE" altLang="de-DE" dirty="0"/>
               <a:t>Allgemeiner Aufbau von 3D Spielen</a:t>
             </a:r>
           </a:p>
           <a:p>
             <a:pPr lvl="1"/>
             <a:r>
-              <a:rPr lang="de-DE" altLang="de-DE" dirty="0" smtClean="0"/>
+              <a:rPr lang="de-DE" altLang="de-DE" dirty="0"/>
               <a:t>Funktionsweise und Aufbau von Game </a:t>
             </a:r>
             <a:r>
-              <a:rPr lang="de-DE" altLang="de-DE" dirty="0" err="1" smtClean="0"/>
+              <a:rPr lang="de-DE" altLang="de-DE" dirty="0" err="1"/>
               <a:t>Engines</a:t>
             </a:r>
             <a:endParaRPr lang="de-DE" altLang="de-DE" dirty="0"/>
@@ -5893,70 +5854,160 @@
           <a:p>
             <a:pPr lvl="1"/>
             <a:r>
-              <a:rPr lang="de-DE" altLang="de-DE" dirty="0" smtClean="0"/>
-              <a:t>Umsetzung im Programmcode</a:t>
-            </a:r>
+              <a:rPr lang="de-DE" altLang="de-DE" dirty="0"/>
+              <a:t>Die </a:t>
+            </a:r>
+            <a:r>
+              <a:rPr lang="de-DE" altLang="de-DE" dirty="0" err="1"/>
+              <a:t>jMonkeyEngine</a:t>
+            </a:r>
+            <a:endParaRPr lang="de-DE" altLang="de-DE" dirty="0"/>
           </a:p>
           <a:p>
             <a:pPr lvl="2"/>
             <a:r>
-              <a:rPr lang="de-DE" altLang="de-DE" dirty="0" smtClean="0"/>
-              <a:t>Erzeugung der </a:t>
-            </a:r>
-            <a:r>
-              <a:rPr lang="de-DE" altLang="de-DE" dirty="0" err="1" smtClean="0"/>
+              <a:rPr lang="de-DE" altLang="de-DE" dirty="0"/>
+              <a:t>Die Simple </a:t>
+            </a:r>
+            <a:r>
+              <a:rPr lang="de-DE" altLang="de-DE" dirty="0" err="1"/>
               <a:t>Application</a:t>
             </a:r>
             <a:r>
-              <a:rPr lang="de-DE" altLang="de-DE" dirty="0" smtClean="0"/>
-              <a:t>-Klasse: Simple </a:t>
-            </a:r>
-            <a:r>
-              <a:rPr lang="de-DE" altLang="de-DE" dirty="0" err="1" smtClean="0"/>
-              <a:t>Application</a:t>
-            </a:r>
-            <a:endParaRPr lang="de-DE" altLang="de-DE" dirty="0" smtClean="0"/>
+              <a:rPr lang="de-DE" altLang="de-DE" dirty="0"/>
+              <a:t> Klasse</a:t>
+            </a:r>
           </a:p>
           <a:p>
             <a:pPr lvl="2"/>
             <a:r>
-              <a:rPr lang="de-DE" altLang="de-DE" dirty="0" smtClean="0"/>
-              <a:t>Nodes</a:t>
-            </a:r>
-          </a:p>
-          <a:p>
-            <a:pPr lvl="2"/>
-            <a:r>
-              <a:rPr lang="de-DE" altLang="de-DE" dirty="0" smtClean="0"/>
+              <a:rPr lang="de-DE" altLang="de-DE" dirty="0"/>
               <a:t>Modelle und Assets</a:t>
             </a:r>
           </a:p>
           <a:p>
-            <a:pPr lvl="2"/>
-            <a:r>
-              <a:rPr lang="de-DE" altLang="de-DE" smtClean="0"/>
-              <a:t>Materialien</a:t>
-            </a:r>
-          </a:p>
-          <a:p>
-            <a:pPr lvl="2"/>
-            <a:endParaRPr lang="de-DE" altLang="de-DE" dirty="0" smtClean="0"/>
-          </a:p>
-          <a:p>
-            <a:pPr lvl="1"/>
-            <a:endParaRPr lang="de-DE" altLang="de-DE" dirty="0" smtClean="0"/>
-          </a:p>
-          <a:p>
-            <a:r>
-              <a:rPr lang="de-DE" altLang="de-DE" dirty="0" smtClean="0"/>
+            <a:r>
+              <a:rPr lang="de-DE" altLang="de-DE" dirty="0" err="1"/>
+              <a:t>Progman</a:t>
+            </a:r>
+            <a:r>
+              <a:rPr lang="de-DE" altLang="de-DE" dirty="0"/>
+              <a:t> – Find </a:t>
+            </a:r>
+            <a:r>
+              <a:rPr lang="de-DE" altLang="de-DE" dirty="0" err="1"/>
+              <a:t>the</a:t>
+            </a:r>
+            <a:r>
+              <a:rPr lang="de-DE" altLang="de-DE" dirty="0"/>
+              <a:t> </a:t>
+            </a:r>
+            <a:r>
+              <a:rPr lang="de-DE" altLang="de-DE" dirty="0" err="1"/>
+              <a:t>nine</a:t>
+            </a:r>
+            <a:r>
+              <a:rPr lang="de-DE" altLang="de-DE" dirty="0"/>
+              <a:t> Books</a:t>
+            </a:r>
+          </a:p>
+          <a:p>
+            <a:pPr marL="733425" lvl="2">
+              <a:buBlip>
+                <a:blip r:embed="rId2"/>
+              </a:buBlip>
+            </a:pPr>
+            <a:r>
+              <a:rPr lang="de-DE" altLang="de-DE" dirty="0"/>
+              <a:t>Scene</a:t>
+            </a:r>
+          </a:p>
+          <a:p>
+            <a:pPr marL="733425" lvl="2">
+              <a:buBlip>
+                <a:blip r:embed="rId2"/>
+              </a:buBlip>
+            </a:pPr>
+            <a:r>
+              <a:rPr lang="de-DE" altLang="de-DE" dirty="0" err="1"/>
+              <a:t>Progman</a:t>
+            </a:r>
+            <a:endParaRPr lang="de-DE" altLang="de-DE" dirty="0"/>
+          </a:p>
+          <a:p>
+            <a:pPr marL="733425" lvl="2">
+              <a:buBlip>
+                <a:blip r:embed="rId2"/>
+              </a:buBlip>
+            </a:pPr>
+            <a:r>
+              <a:rPr lang="de-DE" altLang="de-DE" dirty="0" err="1"/>
+              <a:t>Forest</a:t>
+            </a:r>
+            <a:endParaRPr lang="de-DE" altLang="de-DE" dirty="0"/>
+          </a:p>
+          <a:p>
+            <a:pPr marL="733425" lvl="2">
+              <a:buBlip>
+                <a:blip r:embed="rId2"/>
+              </a:buBlip>
+            </a:pPr>
+            <a:r>
+              <a:rPr lang="de-DE" altLang="de-DE" dirty="0"/>
+              <a:t>Items</a:t>
+            </a:r>
+          </a:p>
+          <a:p>
+            <a:pPr marL="733425" lvl="2">
+              <a:buBlip>
+                <a:blip r:embed="rId2"/>
+              </a:buBlip>
+            </a:pPr>
+            <a:r>
+              <a:rPr lang="de-DE" altLang="de-DE" dirty="0"/>
+              <a:t>Regen, Nebel und Feuer</a:t>
+            </a:r>
+          </a:p>
+          <a:p>
+            <a:r>
+              <a:rPr lang="de-DE" altLang="de-DE" dirty="0"/>
               <a:t>Workshop</a:t>
             </a:r>
+          </a:p>
+          <a:p>
+            <a:endParaRPr lang="de-DE" dirty="0"/>
           </a:p>
         </p:txBody>
       </p:sp>
       <p:sp>
         <p:nvSpPr>
-          <p:cNvPr id="2" name="Datumsplatzhalter 1"/>
+          <p:cNvPr id="4" name="Fußzeilenplatzhalter 3"/>
+          <p:cNvSpPr>
+            <a:spLocks noGrp="1"/>
+          </p:cNvSpPr>
+          <p:nvPr>
+            <p:ph type="ftr" sz="quarter" idx="10"/>
+          </p:nvPr>
+        </p:nvSpPr>
+        <p:spPr/>
+        <p:txBody>
+          <a:bodyPr/>
+          <a:lstStyle/>
+          <a:p>
+            <a:pPr>
+              <a:defRPr/>
+            </a:pPr>
+            <a:r>
+              <a:rPr lang="de-DE" altLang="de-DE" smtClean="0"/>
+              <a:t>Florian Rottach und Julian Wadephul – 3D-Spieleprogrammierung</a:t>
+            </a:r>
+            <a:endParaRPr lang="de-DE" altLang="de-DE" dirty="0"/>
+          </a:p>
+        </p:txBody>
+      </p:sp>
+      <p:sp>
+        <p:nvSpPr>
+          <p:cNvPr id="5" name="Datumsplatzhalter 4"/>
           <p:cNvSpPr>
             <a:spLocks noGrp="1"/>
           </p:cNvSpPr>
@@ -5972,7 +6023,7 @@
             <a:pPr>
               <a:defRPr/>
             </a:pPr>
-            <a:fld id="{5BF0FFF1-A233-4F62-B8F6-507320609628}" type="datetime1">
+            <a:fld id="{AF4B9F38-77DF-4311-AB3B-1FE9C203202B}" type="datetime1">
               <a:rPr lang="de-DE" smtClean="0"/>
               <a:t>30.12.16</a:t>
             </a:fld>
@@ -5981,17 +6032,15 @@
         </p:txBody>
       </p:sp>
     </p:spTree>
+    <p:extLst>
+      <p:ext uri="{BB962C8B-B14F-4D97-AF65-F5344CB8AC3E}">
+        <p14:creationId xmlns:p14="http://schemas.microsoft.com/office/powerpoint/2010/main" val="1406619504"/>
+      </p:ext>
+    </p:extLst>
   </p:cSld>
   <p:clrMapOvr>
     <a:masterClrMapping/>
   </p:clrMapOvr>
-  <p:timing>
-    <p:tnLst>
-      <p:par>
-        <p:cTn id="1" dur="indefinite" restart="never" nodeType="tmRoot"/>
-      </p:par>
-    </p:tnLst>
-  </p:timing>
 </p:sld>
 </file>
 
